--- a/DefaultTema.pptx
+++ b/DefaultTema.pptx
@@ -6,9 +6,10 @@
   </p:sldMasterIdLst>
   <p:sldIdLst>
     <p:sldId id="262" r:id="rId2"/>
-    <p:sldId id="258" r:id="rId3"/>
-    <p:sldId id="259" r:id="rId4"/>
-    <p:sldId id="261" r:id="rId5"/>
+    <p:sldId id="263" r:id="rId3"/>
+    <p:sldId id="258" r:id="rId4"/>
+    <p:sldId id="259" r:id="rId5"/>
+    <p:sldId id="261" r:id="rId6"/>
   </p:sldIdLst>
   <p:sldSz cx="9144000" cy="6858000" type="screen4x3"/>
   <p:notesSz cx="6858000" cy="9144000"/>
@@ -3184,7 +3185,7 @@
           <a:p>
             <a:r>
               <a:rPr lang="en-US" smtClean="0"/>
-              <a:t>Cilj programa</a:t>
+              <a:t>Motivacija</a:t>
             </a:r>
             <a:endParaRPr lang="en-US"/>
           </a:p>
@@ -3210,7 +3211,7 @@
             </a:pPr>
             <a:r>
               <a:rPr lang="en-US" smtClean="0"/>
-              <a:t>Program treba da prepozna tekst sa proizvoljnim brojem linija,sva slova,zagrade,brojeve,zareze.</a:t>
+              <a:t>Program treba da olaksa prepoznavanje teksta,da omoguci korisniku da jasnije vidi tekst,da otkrije sta se nalazi iza nejasnih i zamagljenih delova teksta,itd.</a:t>
             </a:r>
             <a:endParaRPr lang="en-US"/>
           </a:p>
@@ -3219,7 +3220,7 @@
     </p:spTree>
     <p:extLst>
       <p:ext uri="{BB962C8B-B14F-4D97-AF65-F5344CB8AC3E}">
-        <p14:creationId xmlns:p14="http://schemas.microsoft.com/office/powerpoint/2010/main" val="2370635942"/>
+        <p14:creationId xmlns:p14="http://schemas.microsoft.com/office/powerpoint/2010/main" val="1140867465"/>
       </p:ext>
     </p:extLst>
   </p:cSld>
@@ -3263,7 +3264,7 @@
           <a:p>
             <a:r>
               <a:rPr lang="en-US" smtClean="0"/>
-              <a:t>Algoritam</a:t>
+              <a:t>Cilj programa</a:t>
             </a:r>
             <a:endParaRPr lang="en-US"/>
           </a:p>
@@ -3289,43 +3290,7 @@
             </a:pPr>
             <a:r>
               <a:rPr lang="en-US" smtClean="0"/>
-              <a:t>1.Pretvaranje slike sa tekstom u binarnu.</a:t>
-            </a:r>
-          </a:p>
-          <a:p>
-            <a:pPr marL="137160" indent="0">
-              <a:buNone/>
-            </a:pPr>
-            <a:r>
-              <a:rPr lang="en-US" smtClean="0"/>
-              <a:t>2.Oznacavanje regiona,rotiranje ako su karakteri zakrivljeni,spajanje regiona.</a:t>
-            </a:r>
-          </a:p>
-          <a:p>
-            <a:pPr marL="137160" indent="0">
-              <a:buNone/>
-            </a:pPr>
-            <a:r>
-              <a:rPr lang="en-US" smtClean="0"/>
-              <a:t>3.Obucavanje neuronske mreze.</a:t>
-            </a:r>
-          </a:p>
-          <a:p>
-            <a:pPr marL="137160" indent="0">
-              <a:buNone/>
-            </a:pPr>
-            <a:r>
-              <a:rPr lang="en-US" smtClean="0"/>
-              <a:t>4.Pravljenje alfabeta.</a:t>
-            </a:r>
-          </a:p>
-          <a:p>
-            <a:pPr marL="137160" indent="0">
-              <a:buNone/>
-            </a:pPr>
-            <a:r>
-              <a:rPr lang="en-US" smtClean="0"/>
-              <a:t>5.Formiranje izlaza.</a:t>
+              <a:t>Program treba da prepozna tekst sa proizvoljnim brojem linija,sva slova,zagrade,brojeve,zareze.</a:t>
             </a:r>
             <a:endParaRPr lang="en-US"/>
           </a:p>
@@ -3334,7 +3299,7 @@
     </p:spTree>
     <p:extLst>
       <p:ext uri="{BB962C8B-B14F-4D97-AF65-F5344CB8AC3E}">
-        <p14:creationId xmlns:p14="http://schemas.microsoft.com/office/powerpoint/2010/main" val="225401925"/>
+        <p14:creationId xmlns:p14="http://schemas.microsoft.com/office/powerpoint/2010/main" val="2370635942"/>
       </p:ext>
     </p:extLst>
   </p:cSld>
@@ -3378,6 +3343,125 @@
           <a:p>
             <a:r>
               <a:rPr lang="en-US" smtClean="0"/>
+              <a:t>Algoritam</a:t>
+            </a:r>
+            <a:endParaRPr lang="en-US"/>
+          </a:p>
+        </p:txBody>
+      </p:sp>
+      <p:sp>
+        <p:nvSpPr>
+          <p:cNvPr id="3" name="Content Placeholder 2"/>
+          <p:cNvSpPr>
+            <a:spLocks noGrp="1"/>
+          </p:cNvSpPr>
+          <p:nvPr>
+            <p:ph idx="1"/>
+          </p:nvPr>
+        </p:nvSpPr>
+        <p:spPr/>
+        <p:txBody>
+          <a:bodyPr/>
+          <a:lstStyle/>
+          <a:p>
+            <a:pPr marL="137160" indent="0">
+              <a:buNone/>
+            </a:pPr>
+            <a:r>
+              <a:rPr lang="en-US" smtClean="0"/>
+              <a:t>1.Pretvaranje slike sa tekstom u binarnu.</a:t>
+            </a:r>
+          </a:p>
+          <a:p>
+            <a:pPr marL="137160" indent="0">
+              <a:buNone/>
+            </a:pPr>
+            <a:r>
+              <a:rPr lang="en-US" smtClean="0"/>
+              <a:t>2.Oznacavanje regiona,rotiranje ako su karakteri zakrivljeni,spajanje regiona.</a:t>
+            </a:r>
+          </a:p>
+          <a:p>
+            <a:pPr marL="137160" indent="0">
+              <a:buNone/>
+            </a:pPr>
+            <a:r>
+              <a:rPr lang="en-US" smtClean="0"/>
+              <a:t>3.Obucavanje neuronske mreze.</a:t>
+            </a:r>
+          </a:p>
+          <a:p>
+            <a:pPr marL="137160" indent="0">
+              <a:buNone/>
+            </a:pPr>
+            <a:r>
+              <a:rPr lang="en-US" smtClean="0"/>
+              <a:t>4.Pravljenje alfabeta.</a:t>
+            </a:r>
+          </a:p>
+          <a:p>
+            <a:pPr marL="137160" indent="0">
+              <a:buNone/>
+            </a:pPr>
+            <a:r>
+              <a:rPr lang="en-US" smtClean="0"/>
+              <a:t>5.Formiranje </a:t>
+            </a:r>
+            <a:r>
+              <a:rPr lang="en-US" smtClean="0"/>
+              <a:t>izlaza i prikaza na ekranu.</a:t>
+            </a:r>
+            <a:endParaRPr lang="en-US"/>
+          </a:p>
+        </p:txBody>
+      </p:sp>
+    </p:spTree>
+    <p:extLst>
+      <p:ext uri="{BB962C8B-B14F-4D97-AF65-F5344CB8AC3E}">
+        <p14:creationId xmlns:p14="http://schemas.microsoft.com/office/powerpoint/2010/main" val="225401925"/>
+      </p:ext>
+    </p:extLst>
+  </p:cSld>
+  <p:clrMapOvr>
+    <a:masterClrMapping/>
+  </p:clrMapOvr>
+</p:sld>
+</file>
+
+<file path=ppt/slides/slide5.xml><?xml version="1.0" encoding="utf-8"?>
+<p:sld xmlns:a="http://schemas.openxmlformats.org/drawingml/2006/main" xmlns:r="http://schemas.openxmlformats.org/officeDocument/2006/relationships" xmlns:p="http://schemas.openxmlformats.org/presentationml/2006/main">
+  <p:cSld>
+    <p:spTree>
+      <p:nvGrpSpPr>
+        <p:cNvPr id="1" name=""/>
+        <p:cNvGrpSpPr/>
+        <p:nvPr/>
+      </p:nvGrpSpPr>
+      <p:grpSpPr>
+        <a:xfrm>
+          <a:off x="0" y="0"/>
+          <a:ext cx="0" cy="0"/>
+          <a:chOff x="0" y="0"/>
+          <a:chExt cx="0" cy="0"/>
+        </a:xfrm>
+      </p:grpSpPr>
+      <p:sp>
+        <p:nvSpPr>
+          <p:cNvPr id="2" name="Title 1"/>
+          <p:cNvSpPr>
+            <a:spLocks noGrp="1"/>
+          </p:cNvSpPr>
+          <p:nvPr>
+            <p:ph type="title"/>
+          </p:nvPr>
+        </p:nvSpPr>
+        <p:spPr/>
+        <p:txBody>
+          <a:bodyPr/>
+          <a:lstStyle/>
+          <a:p>
+            <a:r>
+              <a:rPr lang="en-US" smtClean="0"/>
               <a:t>	Verifikacija</a:t>
             </a:r>
             <a:endParaRPr lang="en-US"/>
@@ -3408,53 +3492,37 @@
             </a:r>
             <a:r>
               <a:rPr lang="en-US"/>
-              <a:t>je spremiti nekoliko slika koje </a:t>
+              <a:t>je spremiti nekoliko slika koje sadrže </a:t>
+            </a:r>
+            <a:r>
+              <a:rPr lang="en-US" smtClean="0"/>
+              <a:t>tekst </a:t>
             </a:r>
             <a:r>
               <a:rPr lang="en-US"/>
-              <a:t>sadrže </a:t>
-            </a:r>
-            <a:r>
-              <a:rPr lang="en-US" smtClean="0"/>
-              <a:t>tekst </a:t>
+              <a:t>proizvoljne dužine i broja redova. </a:t>
+            </a:r>
+            <a:endParaRPr lang="en-US" smtClean="0"/>
+          </a:p>
+          <a:p>
+            <a:pPr marL="137160" indent="0">
+              <a:buNone/>
+            </a:pPr>
+            <a:r>
+              <a:rPr lang="en-US" smtClean="0"/>
+              <a:t>Sve </a:t>
             </a:r>
             <a:r>
               <a:rPr lang="en-US"/>
-              <a:t>proizvoljne dužine i broja redova</a:t>
+              <a:t>slike treba da imaju </a:t>
+            </a:r>
+            <a:r>
+              <a:rPr lang="en-US" smtClean="0"/>
+              <a:t>različit </a:t>
             </a:r>
             <a:r>
               <a:rPr lang="en-US"/>
-              <a:t>. </a:t>
-            </a:r>
-            <a:endParaRPr lang="en-US" smtClean="0"/>
-          </a:p>
-          <a:p>
-            <a:pPr marL="137160" indent="0">
-              <a:buNone/>
-            </a:pPr>
-            <a:r>
-              <a:rPr lang="en-US" smtClean="0"/>
-              <a:t>Sve </a:t>
-            </a:r>
-            <a:r>
-              <a:rPr lang="en-US"/>
-              <a:t>slike treba da </a:t>
-            </a:r>
-            <a:r>
-              <a:rPr lang="en-US"/>
-              <a:t>imaju </a:t>
-            </a:r>
-            <a:r>
-              <a:rPr lang="en-US" smtClean="0"/>
-              <a:t>različit </a:t>
-            </a:r>
-            <a:r>
-              <a:rPr lang="en-US"/>
-              <a:t>ugao nakrivljenosti i </a:t>
-            </a:r>
-            <a:r>
-              <a:rPr lang="en-US"/>
-              <a:t>broj </a:t>
+              <a:t>ugao nakrivljenosti i broj </a:t>
             </a:r>
             <a:r>
               <a:rPr lang="en-US" smtClean="0"/>
